--- a/3. Spring 5.0/Day 23/Slides/7. Migrating from JUnit 4/migrating-from-junit-4-slides.pptx
+++ b/3. Spring 5.0/Day 23/Slides/7. Migrating from JUnit 4/migrating-from-junit-4-slides.pptx
@@ -3203,8 +3203,8 @@
         </p:nvSpPr>
         <p:spPr>
           <a:xfrm>
-            <a:off x="481076" y="2728696"/>
-            <a:ext cx="3692525" cy="3226435"/>
+            <a:off x="481330" y="2728595"/>
+            <a:ext cx="4733925" cy="3241675"/>
           </a:xfrm>
           <a:prstGeom prst="rect">
             <a:avLst/>
@@ -3253,6 +3253,16 @@
                 <a:cs typeface="Courier New" panose="02070309020205020404"/>
               </a:rPr>
               <a:t>@Disable</a:t>
+            </a:r>
+            <a:r>
+              <a:rPr lang="en-US" sz="3200" spc="-5" dirty="0">
+                <a:solidFill>
+                  <a:srgbClr val="2A9FBB"/>
+                </a:solidFill>
+                <a:latin typeface="Courier New" panose="02070309020205020404"/>
+                <a:cs typeface="Courier New" panose="02070309020205020404"/>
+              </a:rPr>
+              <a:t>d</a:t>
             </a:r>
             <a:endParaRPr sz="3200">
               <a:latin typeface="Courier New" panose="02070309020205020404"/>
